--- a/ppt 16-9/1161.天家.pptx
+++ b/ppt 16-9/1161.天家.pptx
@@ -129,7 +129,7 @@
           <p:cNvPr id="2" name="标题 1">
             <a:extLst>
               <a:ext uri="{FF2B5EF4-FFF2-40B4-BE49-F238E27FC236}">
-                <a16:creationId xmlns:a16="http://schemas.microsoft.com/office/drawing/2014/main" id="{6457F14B-B87A-96FE-8F9D-0B2F273CB83E}"/>
+                <a16:creationId xmlns:a16="http://schemas.microsoft.com/office/drawing/2014/main" id="{6977E468-998B-768D-89CB-AF19A7C77FC9}"/>
               </a:ext>
             </a:extLst>
           </p:cNvPr>
@@ -166,7 +166,7 @@
           <p:cNvPr id="3" name="副标题 2">
             <a:extLst>
               <a:ext uri="{FF2B5EF4-FFF2-40B4-BE49-F238E27FC236}">
-                <a16:creationId xmlns:a16="http://schemas.microsoft.com/office/drawing/2014/main" id="{AAA2B64D-E4AE-012C-227F-80F7190BAE0C}"/>
+                <a16:creationId xmlns:a16="http://schemas.microsoft.com/office/drawing/2014/main" id="{C019B06E-AFD7-1855-C6AB-18289E26EB2E}"/>
               </a:ext>
             </a:extLst>
           </p:cNvPr>
@@ -236,7 +236,7 @@
           <p:cNvPr id="4" name="日期占位符 3">
             <a:extLst>
               <a:ext uri="{FF2B5EF4-FFF2-40B4-BE49-F238E27FC236}">
-                <a16:creationId xmlns:a16="http://schemas.microsoft.com/office/drawing/2014/main" id="{E7B667A4-E8B7-220E-2598-73114B46A944}"/>
+                <a16:creationId xmlns:a16="http://schemas.microsoft.com/office/drawing/2014/main" id="{E87F5286-41BA-70C4-8A0C-5C1468B88688}"/>
               </a:ext>
             </a:extLst>
           </p:cNvPr>
@@ -252,7 +252,7 @@
           <a:bodyPr/>
           <a:lstStyle/>
           <a:p>
-            <a:fld id="{97FCF1D5-7B66-440D-B081-D77CF723283E}" type="datetimeFigureOut">
+            <a:fld id="{702D0369-2AD9-4E01-9352-2031B94D3CDA}" type="datetimeFigureOut">
               <a:rPr lang="zh-CN" altLang="en-US" smtClean="0"/>
               <a:t>2024/3/10</a:t>
             </a:fld>
@@ -265,7 +265,7 @@
           <p:cNvPr id="5" name="页脚占位符 4">
             <a:extLst>
               <a:ext uri="{FF2B5EF4-FFF2-40B4-BE49-F238E27FC236}">
-                <a16:creationId xmlns:a16="http://schemas.microsoft.com/office/drawing/2014/main" id="{226B6AE6-3F1A-5DED-B8AA-2E47AF176526}"/>
+                <a16:creationId xmlns:a16="http://schemas.microsoft.com/office/drawing/2014/main" id="{D0E56CBE-D8BA-78B2-C883-25072AD8D5B5}"/>
               </a:ext>
             </a:extLst>
           </p:cNvPr>
@@ -290,7 +290,7 @@
           <p:cNvPr id="6" name="灯片编号占位符 5">
             <a:extLst>
               <a:ext uri="{FF2B5EF4-FFF2-40B4-BE49-F238E27FC236}">
-                <a16:creationId xmlns:a16="http://schemas.microsoft.com/office/drawing/2014/main" id="{2FFC8F15-5A42-17E4-F0EB-1D993798C910}"/>
+                <a16:creationId xmlns:a16="http://schemas.microsoft.com/office/drawing/2014/main" id="{55725D08-612D-77AC-2B2F-0957191E1A03}"/>
               </a:ext>
             </a:extLst>
           </p:cNvPr>
@@ -306,7 +306,7 @@
           <a:bodyPr/>
           <a:lstStyle/>
           <a:p>
-            <a:fld id="{7F596A38-0ABF-47B8-B24E-E09B30AEB20A}" type="slidenum">
+            <a:fld id="{E08431AC-B0EF-4958-8697-79591EDE2ECA}" type="slidenum">
               <a:rPr lang="zh-CN" altLang="en-US" smtClean="0"/>
               <a:t>‹#›</a:t>
             </a:fld>
@@ -317,7 +317,7 @@
     </p:spTree>
     <p:extLst>
       <p:ext uri="{BB962C8B-B14F-4D97-AF65-F5344CB8AC3E}">
-        <p14:creationId xmlns:p14="http://schemas.microsoft.com/office/powerpoint/2010/main" val="2990501029"/>
+        <p14:creationId xmlns:p14="http://schemas.microsoft.com/office/powerpoint/2010/main" val="101258486"/>
       </p:ext>
     </p:extLst>
   </p:cSld>
@@ -349,7 +349,7 @@
           <p:cNvPr id="2" name="标题 1">
             <a:extLst>
               <a:ext uri="{FF2B5EF4-FFF2-40B4-BE49-F238E27FC236}">
-                <a16:creationId xmlns:a16="http://schemas.microsoft.com/office/drawing/2014/main" id="{0CC954C9-E526-400F-2616-956D14F034E3}"/>
+                <a16:creationId xmlns:a16="http://schemas.microsoft.com/office/drawing/2014/main" id="{C17C878C-84B8-69D5-7CBB-C0FB1AAB6FC8}"/>
               </a:ext>
             </a:extLst>
           </p:cNvPr>
@@ -377,7 +377,7 @@
           <p:cNvPr id="3" name="竖排文字占位符 2">
             <a:extLst>
               <a:ext uri="{FF2B5EF4-FFF2-40B4-BE49-F238E27FC236}">
-                <a16:creationId xmlns:a16="http://schemas.microsoft.com/office/drawing/2014/main" id="{087EDD94-3A39-A16C-BE87-60658BAE00CF}"/>
+                <a16:creationId xmlns:a16="http://schemas.microsoft.com/office/drawing/2014/main" id="{4BD06C34-8960-60A0-8747-26345D4B2640}"/>
               </a:ext>
             </a:extLst>
           </p:cNvPr>
@@ -434,7 +434,7 @@
           <p:cNvPr id="4" name="日期占位符 3">
             <a:extLst>
               <a:ext uri="{FF2B5EF4-FFF2-40B4-BE49-F238E27FC236}">
-                <a16:creationId xmlns:a16="http://schemas.microsoft.com/office/drawing/2014/main" id="{7C2E4451-888C-E248-294E-C47A26412192}"/>
+                <a16:creationId xmlns:a16="http://schemas.microsoft.com/office/drawing/2014/main" id="{8457E754-EE37-B41A-9A60-70899AB26783}"/>
               </a:ext>
             </a:extLst>
           </p:cNvPr>
@@ -450,7 +450,7 @@
           <a:bodyPr/>
           <a:lstStyle/>
           <a:p>
-            <a:fld id="{97FCF1D5-7B66-440D-B081-D77CF723283E}" type="datetimeFigureOut">
+            <a:fld id="{702D0369-2AD9-4E01-9352-2031B94D3CDA}" type="datetimeFigureOut">
               <a:rPr lang="zh-CN" altLang="en-US" smtClean="0"/>
               <a:t>2024/3/10</a:t>
             </a:fld>
@@ -463,7 +463,7 @@
           <p:cNvPr id="5" name="页脚占位符 4">
             <a:extLst>
               <a:ext uri="{FF2B5EF4-FFF2-40B4-BE49-F238E27FC236}">
-                <a16:creationId xmlns:a16="http://schemas.microsoft.com/office/drawing/2014/main" id="{5EF7677B-90D7-A295-430B-F8EFFE759306}"/>
+                <a16:creationId xmlns:a16="http://schemas.microsoft.com/office/drawing/2014/main" id="{03D09038-2E8C-C239-D5DF-BB40E0AC368A}"/>
               </a:ext>
             </a:extLst>
           </p:cNvPr>
@@ -488,7 +488,7 @@
           <p:cNvPr id="6" name="灯片编号占位符 5">
             <a:extLst>
               <a:ext uri="{FF2B5EF4-FFF2-40B4-BE49-F238E27FC236}">
-                <a16:creationId xmlns:a16="http://schemas.microsoft.com/office/drawing/2014/main" id="{20684F5B-57B8-479C-D503-87DE70164612}"/>
+                <a16:creationId xmlns:a16="http://schemas.microsoft.com/office/drawing/2014/main" id="{DFFC0A8B-0B2C-FC05-79EF-E6058DD733FD}"/>
               </a:ext>
             </a:extLst>
           </p:cNvPr>
@@ -504,7 +504,7 @@
           <a:bodyPr/>
           <a:lstStyle/>
           <a:p>
-            <a:fld id="{7F596A38-0ABF-47B8-B24E-E09B30AEB20A}" type="slidenum">
+            <a:fld id="{E08431AC-B0EF-4958-8697-79591EDE2ECA}" type="slidenum">
               <a:rPr lang="zh-CN" altLang="en-US" smtClean="0"/>
               <a:t>‹#›</a:t>
             </a:fld>
@@ -515,7 +515,7 @@
     </p:spTree>
     <p:extLst>
       <p:ext uri="{BB962C8B-B14F-4D97-AF65-F5344CB8AC3E}">
-        <p14:creationId xmlns:p14="http://schemas.microsoft.com/office/powerpoint/2010/main" val="2486343789"/>
+        <p14:creationId xmlns:p14="http://schemas.microsoft.com/office/powerpoint/2010/main" val="3929753742"/>
       </p:ext>
     </p:extLst>
   </p:cSld>
@@ -547,7 +547,7 @@
           <p:cNvPr id="2" name="竖排标题 1">
             <a:extLst>
               <a:ext uri="{FF2B5EF4-FFF2-40B4-BE49-F238E27FC236}">
-                <a16:creationId xmlns:a16="http://schemas.microsoft.com/office/drawing/2014/main" id="{7F77A18F-1506-1FAB-FFA4-B0C89A756DCB}"/>
+                <a16:creationId xmlns:a16="http://schemas.microsoft.com/office/drawing/2014/main" id="{CAD01598-6FE4-5910-1A23-A63568B199C8}"/>
               </a:ext>
             </a:extLst>
           </p:cNvPr>
@@ -580,7 +580,7 @@
           <p:cNvPr id="3" name="竖排文字占位符 2">
             <a:extLst>
               <a:ext uri="{FF2B5EF4-FFF2-40B4-BE49-F238E27FC236}">
-                <a16:creationId xmlns:a16="http://schemas.microsoft.com/office/drawing/2014/main" id="{6F107C7F-2CFD-91C3-9207-EB5C53A614EA}"/>
+                <a16:creationId xmlns:a16="http://schemas.microsoft.com/office/drawing/2014/main" id="{A8FB702B-72A3-2B37-07D0-B63EC373326A}"/>
               </a:ext>
             </a:extLst>
           </p:cNvPr>
@@ -642,7 +642,7 @@
           <p:cNvPr id="4" name="日期占位符 3">
             <a:extLst>
               <a:ext uri="{FF2B5EF4-FFF2-40B4-BE49-F238E27FC236}">
-                <a16:creationId xmlns:a16="http://schemas.microsoft.com/office/drawing/2014/main" id="{ED3BF4CE-26E6-512E-29BA-03A933AC8ABB}"/>
+                <a16:creationId xmlns:a16="http://schemas.microsoft.com/office/drawing/2014/main" id="{A3E90224-4446-43E6-6EFE-0F54AD81D52E}"/>
               </a:ext>
             </a:extLst>
           </p:cNvPr>
@@ -658,7 +658,7 @@
           <a:bodyPr/>
           <a:lstStyle/>
           <a:p>
-            <a:fld id="{97FCF1D5-7B66-440D-B081-D77CF723283E}" type="datetimeFigureOut">
+            <a:fld id="{702D0369-2AD9-4E01-9352-2031B94D3CDA}" type="datetimeFigureOut">
               <a:rPr lang="zh-CN" altLang="en-US" smtClean="0"/>
               <a:t>2024/3/10</a:t>
             </a:fld>
@@ -671,7 +671,7 @@
           <p:cNvPr id="5" name="页脚占位符 4">
             <a:extLst>
               <a:ext uri="{FF2B5EF4-FFF2-40B4-BE49-F238E27FC236}">
-                <a16:creationId xmlns:a16="http://schemas.microsoft.com/office/drawing/2014/main" id="{FB5CA48D-279B-2E91-A5E8-80ABBE4F2CF2}"/>
+                <a16:creationId xmlns:a16="http://schemas.microsoft.com/office/drawing/2014/main" id="{496CDDE3-C9E4-408E-C710-FFB95E9FC48D}"/>
               </a:ext>
             </a:extLst>
           </p:cNvPr>
@@ -696,7 +696,7 @@
           <p:cNvPr id="6" name="灯片编号占位符 5">
             <a:extLst>
               <a:ext uri="{FF2B5EF4-FFF2-40B4-BE49-F238E27FC236}">
-                <a16:creationId xmlns:a16="http://schemas.microsoft.com/office/drawing/2014/main" id="{C68CD8F7-B70B-C116-ACE6-F86B98346B0F}"/>
+                <a16:creationId xmlns:a16="http://schemas.microsoft.com/office/drawing/2014/main" id="{24F1F14D-1AB9-0FE3-3698-E82C0E709394}"/>
               </a:ext>
             </a:extLst>
           </p:cNvPr>
@@ -712,7 +712,7 @@
           <a:bodyPr/>
           <a:lstStyle/>
           <a:p>
-            <a:fld id="{7F596A38-0ABF-47B8-B24E-E09B30AEB20A}" type="slidenum">
+            <a:fld id="{E08431AC-B0EF-4958-8697-79591EDE2ECA}" type="slidenum">
               <a:rPr lang="zh-CN" altLang="en-US" smtClean="0"/>
               <a:t>‹#›</a:t>
             </a:fld>
@@ -723,7 +723,7 @@
     </p:spTree>
     <p:extLst>
       <p:ext uri="{BB962C8B-B14F-4D97-AF65-F5344CB8AC3E}">
-        <p14:creationId xmlns:p14="http://schemas.microsoft.com/office/powerpoint/2010/main" val="1920523297"/>
+        <p14:creationId xmlns:p14="http://schemas.microsoft.com/office/powerpoint/2010/main" val="2196702617"/>
       </p:ext>
     </p:extLst>
   </p:cSld>
@@ -755,7 +755,7 @@
           <p:cNvPr id="2" name="标题 1">
             <a:extLst>
               <a:ext uri="{FF2B5EF4-FFF2-40B4-BE49-F238E27FC236}">
-                <a16:creationId xmlns:a16="http://schemas.microsoft.com/office/drawing/2014/main" id="{D0557BD1-17DA-5B5A-CBC2-B01D58E5F817}"/>
+                <a16:creationId xmlns:a16="http://schemas.microsoft.com/office/drawing/2014/main" id="{FB94C992-A79C-5D91-E71E-79EBF901CAC4}"/>
               </a:ext>
             </a:extLst>
           </p:cNvPr>
@@ -783,7 +783,7 @@
           <p:cNvPr id="3" name="内容占位符 2">
             <a:extLst>
               <a:ext uri="{FF2B5EF4-FFF2-40B4-BE49-F238E27FC236}">
-                <a16:creationId xmlns:a16="http://schemas.microsoft.com/office/drawing/2014/main" id="{9B3ECE3A-B230-849A-477A-8CED3B521531}"/>
+                <a16:creationId xmlns:a16="http://schemas.microsoft.com/office/drawing/2014/main" id="{1FFE8D10-2670-35BA-7E46-76DD4254B26D}"/>
               </a:ext>
             </a:extLst>
           </p:cNvPr>
@@ -840,7 +840,7 @@
           <p:cNvPr id="4" name="日期占位符 3">
             <a:extLst>
               <a:ext uri="{FF2B5EF4-FFF2-40B4-BE49-F238E27FC236}">
-                <a16:creationId xmlns:a16="http://schemas.microsoft.com/office/drawing/2014/main" id="{3CAD828D-57D0-C5DD-8F54-BB2C991C894B}"/>
+                <a16:creationId xmlns:a16="http://schemas.microsoft.com/office/drawing/2014/main" id="{AD4C7A6A-3A16-4142-6E34-E81B6C37CCB5}"/>
               </a:ext>
             </a:extLst>
           </p:cNvPr>
@@ -856,7 +856,7 @@
           <a:bodyPr/>
           <a:lstStyle/>
           <a:p>
-            <a:fld id="{97FCF1D5-7B66-440D-B081-D77CF723283E}" type="datetimeFigureOut">
+            <a:fld id="{702D0369-2AD9-4E01-9352-2031B94D3CDA}" type="datetimeFigureOut">
               <a:rPr lang="zh-CN" altLang="en-US" smtClean="0"/>
               <a:t>2024/3/10</a:t>
             </a:fld>
@@ -869,7 +869,7 @@
           <p:cNvPr id="5" name="页脚占位符 4">
             <a:extLst>
               <a:ext uri="{FF2B5EF4-FFF2-40B4-BE49-F238E27FC236}">
-                <a16:creationId xmlns:a16="http://schemas.microsoft.com/office/drawing/2014/main" id="{E4EB558C-461C-6531-311A-4AB3141B8A81}"/>
+                <a16:creationId xmlns:a16="http://schemas.microsoft.com/office/drawing/2014/main" id="{FAC34F68-6BE3-1808-853D-B1D026FD0480}"/>
               </a:ext>
             </a:extLst>
           </p:cNvPr>
@@ -894,7 +894,7 @@
           <p:cNvPr id="6" name="灯片编号占位符 5">
             <a:extLst>
               <a:ext uri="{FF2B5EF4-FFF2-40B4-BE49-F238E27FC236}">
-                <a16:creationId xmlns:a16="http://schemas.microsoft.com/office/drawing/2014/main" id="{760568D2-9440-E8EA-A04E-34AD123BE87B}"/>
+                <a16:creationId xmlns:a16="http://schemas.microsoft.com/office/drawing/2014/main" id="{7AB88177-0270-2CC4-64AA-3A75A9EA432B}"/>
               </a:ext>
             </a:extLst>
           </p:cNvPr>
@@ -910,7 +910,7 @@
           <a:bodyPr/>
           <a:lstStyle/>
           <a:p>
-            <a:fld id="{7F596A38-0ABF-47B8-B24E-E09B30AEB20A}" type="slidenum">
+            <a:fld id="{E08431AC-B0EF-4958-8697-79591EDE2ECA}" type="slidenum">
               <a:rPr lang="zh-CN" altLang="en-US" smtClean="0"/>
               <a:t>‹#›</a:t>
             </a:fld>
@@ -921,7 +921,7 @@
     </p:spTree>
     <p:extLst>
       <p:ext uri="{BB962C8B-B14F-4D97-AF65-F5344CB8AC3E}">
-        <p14:creationId xmlns:p14="http://schemas.microsoft.com/office/powerpoint/2010/main" val="61381153"/>
+        <p14:creationId xmlns:p14="http://schemas.microsoft.com/office/powerpoint/2010/main" val="2358008520"/>
       </p:ext>
     </p:extLst>
   </p:cSld>
@@ -953,7 +953,7 @@
           <p:cNvPr id="2" name="标题 1">
             <a:extLst>
               <a:ext uri="{FF2B5EF4-FFF2-40B4-BE49-F238E27FC236}">
-                <a16:creationId xmlns:a16="http://schemas.microsoft.com/office/drawing/2014/main" id="{5B7F64C7-B169-79A8-33A8-FDC2FFDFF052}"/>
+                <a16:creationId xmlns:a16="http://schemas.microsoft.com/office/drawing/2014/main" id="{F7242D93-FB24-0B04-1873-971FFB45AA61}"/>
               </a:ext>
             </a:extLst>
           </p:cNvPr>
@@ -990,7 +990,7 @@
           <p:cNvPr id="3" name="文本占位符 2">
             <a:extLst>
               <a:ext uri="{FF2B5EF4-FFF2-40B4-BE49-F238E27FC236}">
-                <a16:creationId xmlns:a16="http://schemas.microsoft.com/office/drawing/2014/main" id="{89019932-DA42-503D-70AB-02B8335DC61B}"/>
+                <a16:creationId xmlns:a16="http://schemas.microsoft.com/office/drawing/2014/main" id="{169C8E00-9281-6E82-EE86-7BE3EC79592C}"/>
               </a:ext>
             </a:extLst>
           </p:cNvPr>
@@ -1115,7 +1115,7 @@
           <p:cNvPr id="4" name="日期占位符 3">
             <a:extLst>
               <a:ext uri="{FF2B5EF4-FFF2-40B4-BE49-F238E27FC236}">
-                <a16:creationId xmlns:a16="http://schemas.microsoft.com/office/drawing/2014/main" id="{9B4843A0-0D48-02D2-5769-844830102AB3}"/>
+                <a16:creationId xmlns:a16="http://schemas.microsoft.com/office/drawing/2014/main" id="{303ACB78-6734-583E-FCC1-592F40E4B8C3}"/>
               </a:ext>
             </a:extLst>
           </p:cNvPr>
@@ -1131,7 +1131,7 @@
           <a:bodyPr/>
           <a:lstStyle/>
           <a:p>
-            <a:fld id="{97FCF1D5-7B66-440D-B081-D77CF723283E}" type="datetimeFigureOut">
+            <a:fld id="{702D0369-2AD9-4E01-9352-2031B94D3CDA}" type="datetimeFigureOut">
               <a:rPr lang="zh-CN" altLang="en-US" smtClean="0"/>
               <a:t>2024/3/10</a:t>
             </a:fld>
@@ -1144,7 +1144,7 @@
           <p:cNvPr id="5" name="页脚占位符 4">
             <a:extLst>
               <a:ext uri="{FF2B5EF4-FFF2-40B4-BE49-F238E27FC236}">
-                <a16:creationId xmlns:a16="http://schemas.microsoft.com/office/drawing/2014/main" id="{56DAA9A3-EB12-0724-85BC-26DE9328B935}"/>
+                <a16:creationId xmlns:a16="http://schemas.microsoft.com/office/drawing/2014/main" id="{A65F15BC-7864-0565-3B5E-EA263963C769}"/>
               </a:ext>
             </a:extLst>
           </p:cNvPr>
@@ -1169,7 +1169,7 @@
           <p:cNvPr id="6" name="灯片编号占位符 5">
             <a:extLst>
               <a:ext uri="{FF2B5EF4-FFF2-40B4-BE49-F238E27FC236}">
-                <a16:creationId xmlns:a16="http://schemas.microsoft.com/office/drawing/2014/main" id="{9A6A9624-E6E4-7548-658F-5F1B8A076E1C}"/>
+                <a16:creationId xmlns:a16="http://schemas.microsoft.com/office/drawing/2014/main" id="{566A74DC-5289-C43E-DB72-CCC00A91A302}"/>
               </a:ext>
             </a:extLst>
           </p:cNvPr>
@@ -1185,7 +1185,7 @@
           <a:bodyPr/>
           <a:lstStyle/>
           <a:p>
-            <a:fld id="{7F596A38-0ABF-47B8-B24E-E09B30AEB20A}" type="slidenum">
+            <a:fld id="{E08431AC-B0EF-4958-8697-79591EDE2ECA}" type="slidenum">
               <a:rPr lang="zh-CN" altLang="en-US" smtClean="0"/>
               <a:t>‹#›</a:t>
             </a:fld>
@@ -1196,7 +1196,7 @@
     </p:spTree>
     <p:extLst>
       <p:ext uri="{BB962C8B-B14F-4D97-AF65-F5344CB8AC3E}">
-        <p14:creationId xmlns:p14="http://schemas.microsoft.com/office/powerpoint/2010/main" val="3420637244"/>
+        <p14:creationId xmlns:p14="http://schemas.microsoft.com/office/powerpoint/2010/main" val="2375104743"/>
       </p:ext>
     </p:extLst>
   </p:cSld>
@@ -1228,7 +1228,7 @@
           <p:cNvPr id="2" name="标题 1">
             <a:extLst>
               <a:ext uri="{FF2B5EF4-FFF2-40B4-BE49-F238E27FC236}">
-                <a16:creationId xmlns:a16="http://schemas.microsoft.com/office/drawing/2014/main" id="{35848357-CAE2-3C81-80BA-CE7732819934}"/>
+                <a16:creationId xmlns:a16="http://schemas.microsoft.com/office/drawing/2014/main" id="{ACF2EF16-9086-488A-1458-DE5B9F28FB68}"/>
               </a:ext>
             </a:extLst>
           </p:cNvPr>
@@ -1256,7 +1256,7 @@
           <p:cNvPr id="3" name="内容占位符 2">
             <a:extLst>
               <a:ext uri="{FF2B5EF4-FFF2-40B4-BE49-F238E27FC236}">
-                <a16:creationId xmlns:a16="http://schemas.microsoft.com/office/drawing/2014/main" id="{2B6E4E39-0878-F2E0-8401-79D144933ECE}"/>
+                <a16:creationId xmlns:a16="http://schemas.microsoft.com/office/drawing/2014/main" id="{8DB4DD8A-7876-A6C4-699E-8B273AFA75C0}"/>
               </a:ext>
             </a:extLst>
           </p:cNvPr>
@@ -1318,7 +1318,7 @@
           <p:cNvPr id="4" name="内容占位符 3">
             <a:extLst>
               <a:ext uri="{FF2B5EF4-FFF2-40B4-BE49-F238E27FC236}">
-                <a16:creationId xmlns:a16="http://schemas.microsoft.com/office/drawing/2014/main" id="{10BD63C1-7718-AD79-2AC6-3B64B0DA5C19}"/>
+                <a16:creationId xmlns:a16="http://schemas.microsoft.com/office/drawing/2014/main" id="{FE1552A5-69DC-FAEC-D884-FB6D5A29D4CB}"/>
               </a:ext>
             </a:extLst>
           </p:cNvPr>
@@ -1380,7 +1380,7 @@
           <p:cNvPr id="5" name="日期占位符 4">
             <a:extLst>
               <a:ext uri="{FF2B5EF4-FFF2-40B4-BE49-F238E27FC236}">
-                <a16:creationId xmlns:a16="http://schemas.microsoft.com/office/drawing/2014/main" id="{90CB2141-A55A-604C-82FD-99F9CBCA83BC}"/>
+                <a16:creationId xmlns:a16="http://schemas.microsoft.com/office/drawing/2014/main" id="{D21DDA60-7B29-021A-23F9-5A73979C462F}"/>
               </a:ext>
             </a:extLst>
           </p:cNvPr>
@@ -1396,7 +1396,7 @@
           <a:bodyPr/>
           <a:lstStyle/>
           <a:p>
-            <a:fld id="{97FCF1D5-7B66-440D-B081-D77CF723283E}" type="datetimeFigureOut">
+            <a:fld id="{702D0369-2AD9-4E01-9352-2031B94D3CDA}" type="datetimeFigureOut">
               <a:rPr lang="zh-CN" altLang="en-US" smtClean="0"/>
               <a:t>2024/3/10</a:t>
             </a:fld>
@@ -1409,7 +1409,7 @@
           <p:cNvPr id="6" name="页脚占位符 5">
             <a:extLst>
               <a:ext uri="{FF2B5EF4-FFF2-40B4-BE49-F238E27FC236}">
-                <a16:creationId xmlns:a16="http://schemas.microsoft.com/office/drawing/2014/main" id="{554911A6-E772-9A3C-1936-7627E37664FE}"/>
+                <a16:creationId xmlns:a16="http://schemas.microsoft.com/office/drawing/2014/main" id="{FB7B8EF5-8DBE-85E5-DA55-27F25D7097A9}"/>
               </a:ext>
             </a:extLst>
           </p:cNvPr>
@@ -1434,7 +1434,7 @@
           <p:cNvPr id="7" name="灯片编号占位符 6">
             <a:extLst>
               <a:ext uri="{FF2B5EF4-FFF2-40B4-BE49-F238E27FC236}">
-                <a16:creationId xmlns:a16="http://schemas.microsoft.com/office/drawing/2014/main" id="{0F7F97F9-9482-F68A-DFFF-D71F82B46FDC}"/>
+                <a16:creationId xmlns:a16="http://schemas.microsoft.com/office/drawing/2014/main" id="{F413FB95-6987-547E-6711-23CFC6DA999D}"/>
               </a:ext>
             </a:extLst>
           </p:cNvPr>
@@ -1450,7 +1450,7 @@
           <a:bodyPr/>
           <a:lstStyle/>
           <a:p>
-            <a:fld id="{7F596A38-0ABF-47B8-B24E-E09B30AEB20A}" type="slidenum">
+            <a:fld id="{E08431AC-B0EF-4958-8697-79591EDE2ECA}" type="slidenum">
               <a:rPr lang="zh-CN" altLang="en-US" smtClean="0"/>
               <a:t>‹#›</a:t>
             </a:fld>
@@ -1461,7 +1461,7 @@
     </p:spTree>
     <p:extLst>
       <p:ext uri="{BB962C8B-B14F-4D97-AF65-F5344CB8AC3E}">
-        <p14:creationId xmlns:p14="http://schemas.microsoft.com/office/powerpoint/2010/main" val="2717588261"/>
+        <p14:creationId xmlns:p14="http://schemas.microsoft.com/office/powerpoint/2010/main" val="1155117004"/>
       </p:ext>
     </p:extLst>
   </p:cSld>
@@ -1493,7 +1493,7 @@
           <p:cNvPr id="2" name="标题 1">
             <a:extLst>
               <a:ext uri="{FF2B5EF4-FFF2-40B4-BE49-F238E27FC236}">
-                <a16:creationId xmlns:a16="http://schemas.microsoft.com/office/drawing/2014/main" id="{6E062867-4BC0-74C1-DBA5-1C3C4D8717EE}"/>
+                <a16:creationId xmlns:a16="http://schemas.microsoft.com/office/drawing/2014/main" id="{0660CC59-C558-C340-0892-D475EEE74F6B}"/>
               </a:ext>
             </a:extLst>
           </p:cNvPr>
@@ -1526,7 +1526,7 @@
           <p:cNvPr id="3" name="文本占位符 2">
             <a:extLst>
               <a:ext uri="{FF2B5EF4-FFF2-40B4-BE49-F238E27FC236}">
-                <a16:creationId xmlns:a16="http://schemas.microsoft.com/office/drawing/2014/main" id="{502C43FD-DC30-C462-EDC1-EBE3D3E576D1}"/>
+                <a16:creationId xmlns:a16="http://schemas.microsoft.com/office/drawing/2014/main" id="{35752BE1-5659-9CF1-C995-F4D75FD206FC}"/>
               </a:ext>
             </a:extLst>
           </p:cNvPr>
@@ -1597,7 +1597,7 @@
           <p:cNvPr id="4" name="内容占位符 3">
             <a:extLst>
               <a:ext uri="{FF2B5EF4-FFF2-40B4-BE49-F238E27FC236}">
-                <a16:creationId xmlns:a16="http://schemas.microsoft.com/office/drawing/2014/main" id="{169D9E7A-0AD2-CD16-5EA2-EC8D4A274634}"/>
+                <a16:creationId xmlns:a16="http://schemas.microsoft.com/office/drawing/2014/main" id="{C733F290-BD9F-90A0-9BC3-543985404EDB}"/>
               </a:ext>
             </a:extLst>
           </p:cNvPr>
@@ -1659,7 +1659,7 @@
           <p:cNvPr id="5" name="文本占位符 4">
             <a:extLst>
               <a:ext uri="{FF2B5EF4-FFF2-40B4-BE49-F238E27FC236}">
-                <a16:creationId xmlns:a16="http://schemas.microsoft.com/office/drawing/2014/main" id="{C9E1B31C-0051-8DF6-84A9-C3F2A667AF79}"/>
+                <a16:creationId xmlns:a16="http://schemas.microsoft.com/office/drawing/2014/main" id="{DBAA053A-EAC6-1E22-B354-B9787FEDA289}"/>
               </a:ext>
             </a:extLst>
           </p:cNvPr>
@@ -1730,7 +1730,7 @@
           <p:cNvPr id="6" name="内容占位符 5">
             <a:extLst>
               <a:ext uri="{FF2B5EF4-FFF2-40B4-BE49-F238E27FC236}">
-                <a16:creationId xmlns:a16="http://schemas.microsoft.com/office/drawing/2014/main" id="{151B2AC2-9D18-22E9-B4B6-EFAA27A702C4}"/>
+                <a16:creationId xmlns:a16="http://schemas.microsoft.com/office/drawing/2014/main" id="{045F2B29-080F-6ECF-2656-9B3FFD818DA9}"/>
               </a:ext>
             </a:extLst>
           </p:cNvPr>
@@ -1792,7 +1792,7 @@
           <p:cNvPr id="7" name="日期占位符 6">
             <a:extLst>
               <a:ext uri="{FF2B5EF4-FFF2-40B4-BE49-F238E27FC236}">
-                <a16:creationId xmlns:a16="http://schemas.microsoft.com/office/drawing/2014/main" id="{38364A8B-733D-8ED1-4FAA-E2DE23E3497D}"/>
+                <a16:creationId xmlns:a16="http://schemas.microsoft.com/office/drawing/2014/main" id="{C546659D-AEDF-3800-2AFC-86589CE72F00}"/>
               </a:ext>
             </a:extLst>
           </p:cNvPr>
@@ -1808,7 +1808,7 @@
           <a:bodyPr/>
           <a:lstStyle/>
           <a:p>
-            <a:fld id="{97FCF1D5-7B66-440D-B081-D77CF723283E}" type="datetimeFigureOut">
+            <a:fld id="{702D0369-2AD9-4E01-9352-2031B94D3CDA}" type="datetimeFigureOut">
               <a:rPr lang="zh-CN" altLang="en-US" smtClean="0"/>
               <a:t>2024/3/10</a:t>
             </a:fld>
@@ -1821,7 +1821,7 @@
           <p:cNvPr id="8" name="页脚占位符 7">
             <a:extLst>
               <a:ext uri="{FF2B5EF4-FFF2-40B4-BE49-F238E27FC236}">
-                <a16:creationId xmlns:a16="http://schemas.microsoft.com/office/drawing/2014/main" id="{0E44FF43-1751-AD40-5BA9-E786F6D790A2}"/>
+                <a16:creationId xmlns:a16="http://schemas.microsoft.com/office/drawing/2014/main" id="{AE917FDF-DF3B-A44B-9595-E08E730234C0}"/>
               </a:ext>
             </a:extLst>
           </p:cNvPr>
@@ -1846,7 +1846,7 @@
           <p:cNvPr id="9" name="灯片编号占位符 8">
             <a:extLst>
               <a:ext uri="{FF2B5EF4-FFF2-40B4-BE49-F238E27FC236}">
-                <a16:creationId xmlns:a16="http://schemas.microsoft.com/office/drawing/2014/main" id="{1192B07B-17E7-1446-170C-B127B5AFD43F}"/>
+                <a16:creationId xmlns:a16="http://schemas.microsoft.com/office/drawing/2014/main" id="{A6A08CA6-B800-21BC-1DF1-B7DD8143914E}"/>
               </a:ext>
             </a:extLst>
           </p:cNvPr>
@@ -1862,7 +1862,7 @@
           <a:bodyPr/>
           <a:lstStyle/>
           <a:p>
-            <a:fld id="{7F596A38-0ABF-47B8-B24E-E09B30AEB20A}" type="slidenum">
+            <a:fld id="{E08431AC-B0EF-4958-8697-79591EDE2ECA}" type="slidenum">
               <a:rPr lang="zh-CN" altLang="en-US" smtClean="0"/>
               <a:t>‹#›</a:t>
             </a:fld>
@@ -1873,7 +1873,7 @@
     </p:spTree>
     <p:extLst>
       <p:ext uri="{BB962C8B-B14F-4D97-AF65-F5344CB8AC3E}">
-        <p14:creationId xmlns:p14="http://schemas.microsoft.com/office/powerpoint/2010/main" val="1875672456"/>
+        <p14:creationId xmlns:p14="http://schemas.microsoft.com/office/powerpoint/2010/main" val="1230244437"/>
       </p:ext>
     </p:extLst>
   </p:cSld>
@@ -1905,7 +1905,7 @@
           <p:cNvPr id="2" name="标题 1">
             <a:extLst>
               <a:ext uri="{FF2B5EF4-FFF2-40B4-BE49-F238E27FC236}">
-                <a16:creationId xmlns:a16="http://schemas.microsoft.com/office/drawing/2014/main" id="{642983CB-16D1-D627-DE81-5842E5FB47C1}"/>
+                <a16:creationId xmlns:a16="http://schemas.microsoft.com/office/drawing/2014/main" id="{41EAB51A-4547-3EA3-272B-1B56ADF36A1A}"/>
               </a:ext>
             </a:extLst>
           </p:cNvPr>
@@ -1933,7 +1933,7 @@
           <p:cNvPr id="3" name="日期占位符 2">
             <a:extLst>
               <a:ext uri="{FF2B5EF4-FFF2-40B4-BE49-F238E27FC236}">
-                <a16:creationId xmlns:a16="http://schemas.microsoft.com/office/drawing/2014/main" id="{76A907B8-CAA1-B9C0-493F-BE9BB3B602C1}"/>
+                <a16:creationId xmlns:a16="http://schemas.microsoft.com/office/drawing/2014/main" id="{47EABC63-1BA4-22E5-04A9-B4CEABFFD6C1}"/>
               </a:ext>
             </a:extLst>
           </p:cNvPr>
@@ -1949,7 +1949,7 @@
           <a:bodyPr/>
           <a:lstStyle/>
           <a:p>
-            <a:fld id="{97FCF1D5-7B66-440D-B081-D77CF723283E}" type="datetimeFigureOut">
+            <a:fld id="{702D0369-2AD9-4E01-9352-2031B94D3CDA}" type="datetimeFigureOut">
               <a:rPr lang="zh-CN" altLang="en-US" smtClean="0"/>
               <a:t>2024/3/10</a:t>
             </a:fld>
@@ -1962,7 +1962,7 @@
           <p:cNvPr id="4" name="页脚占位符 3">
             <a:extLst>
               <a:ext uri="{FF2B5EF4-FFF2-40B4-BE49-F238E27FC236}">
-                <a16:creationId xmlns:a16="http://schemas.microsoft.com/office/drawing/2014/main" id="{27DA2E5A-6B7F-C0E3-C8F7-FB76A4FCD6F9}"/>
+                <a16:creationId xmlns:a16="http://schemas.microsoft.com/office/drawing/2014/main" id="{7C5325FA-64B7-16EF-8D53-B1CFBE20C385}"/>
               </a:ext>
             </a:extLst>
           </p:cNvPr>
@@ -1987,7 +1987,7 @@
           <p:cNvPr id="5" name="灯片编号占位符 4">
             <a:extLst>
               <a:ext uri="{FF2B5EF4-FFF2-40B4-BE49-F238E27FC236}">
-                <a16:creationId xmlns:a16="http://schemas.microsoft.com/office/drawing/2014/main" id="{63BC8746-8DD7-C83E-0F78-F6C23AED44A2}"/>
+                <a16:creationId xmlns:a16="http://schemas.microsoft.com/office/drawing/2014/main" id="{054D5ABA-E1D5-2D0B-1A59-5C5F7B16867E}"/>
               </a:ext>
             </a:extLst>
           </p:cNvPr>
@@ -2003,7 +2003,7 @@
           <a:bodyPr/>
           <a:lstStyle/>
           <a:p>
-            <a:fld id="{7F596A38-0ABF-47B8-B24E-E09B30AEB20A}" type="slidenum">
+            <a:fld id="{E08431AC-B0EF-4958-8697-79591EDE2ECA}" type="slidenum">
               <a:rPr lang="zh-CN" altLang="en-US" smtClean="0"/>
               <a:t>‹#›</a:t>
             </a:fld>
@@ -2014,7 +2014,7 @@
     </p:spTree>
     <p:extLst>
       <p:ext uri="{BB962C8B-B14F-4D97-AF65-F5344CB8AC3E}">
-        <p14:creationId xmlns:p14="http://schemas.microsoft.com/office/powerpoint/2010/main" val="3661966942"/>
+        <p14:creationId xmlns:p14="http://schemas.microsoft.com/office/powerpoint/2010/main" val="1761029204"/>
       </p:ext>
     </p:extLst>
   </p:cSld>
@@ -2046,7 +2046,7 @@
           <p:cNvPr id="2" name="日期占位符 1">
             <a:extLst>
               <a:ext uri="{FF2B5EF4-FFF2-40B4-BE49-F238E27FC236}">
-                <a16:creationId xmlns:a16="http://schemas.microsoft.com/office/drawing/2014/main" id="{8B195B79-FA99-D6C9-C04C-EDCE50F00E4D}"/>
+                <a16:creationId xmlns:a16="http://schemas.microsoft.com/office/drawing/2014/main" id="{D6EFB810-B4AA-D2A5-614D-B973E4593601}"/>
               </a:ext>
             </a:extLst>
           </p:cNvPr>
@@ -2062,7 +2062,7 @@
           <a:bodyPr/>
           <a:lstStyle/>
           <a:p>
-            <a:fld id="{97FCF1D5-7B66-440D-B081-D77CF723283E}" type="datetimeFigureOut">
+            <a:fld id="{702D0369-2AD9-4E01-9352-2031B94D3CDA}" type="datetimeFigureOut">
               <a:rPr lang="zh-CN" altLang="en-US" smtClean="0"/>
               <a:t>2024/3/10</a:t>
             </a:fld>
@@ -2075,7 +2075,7 @@
           <p:cNvPr id="3" name="页脚占位符 2">
             <a:extLst>
               <a:ext uri="{FF2B5EF4-FFF2-40B4-BE49-F238E27FC236}">
-                <a16:creationId xmlns:a16="http://schemas.microsoft.com/office/drawing/2014/main" id="{64E325B6-7642-FF42-8B49-E2ECDF2DDC10}"/>
+                <a16:creationId xmlns:a16="http://schemas.microsoft.com/office/drawing/2014/main" id="{C9D83B1A-F64B-F549-2DFE-27DE4F58D6E4}"/>
               </a:ext>
             </a:extLst>
           </p:cNvPr>
@@ -2100,7 +2100,7 @@
           <p:cNvPr id="4" name="灯片编号占位符 3">
             <a:extLst>
               <a:ext uri="{FF2B5EF4-FFF2-40B4-BE49-F238E27FC236}">
-                <a16:creationId xmlns:a16="http://schemas.microsoft.com/office/drawing/2014/main" id="{76D45A70-E9FF-EF78-EC0F-11E22EE47A3D}"/>
+                <a16:creationId xmlns:a16="http://schemas.microsoft.com/office/drawing/2014/main" id="{958B16A5-30D1-1417-C27C-9C57897E1968}"/>
               </a:ext>
             </a:extLst>
           </p:cNvPr>
@@ -2116,7 +2116,7 @@
           <a:bodyPr/>
           <a:lstStyle/>
           <a:p>
-            <a:fld id="{7F596A38-0ABF-47B8-B24E-E09B30AEB20A}" type="slidenum">
+            <a:fld id="{E08431AC-B0EF-4958-8697-79591EDE2ECA}" type="slidenum">
               <a:rPr lang="zh-CN" altLang="en-US" smtClean="0"/>
               <a:t>‹#›</a:t>
             </a:fld>
@@ -2127,7 +2127,7 @@
     </p:spTree>
     <p:extLst>
       <p:ext uri="{BB962C8B-B14F-4D97-AF65-F5344CB8AC3E}">
-        <p14:creationId xmlns:p14="http://schemas.microsoft.com/office/powerpoint/2010/main" val="1259653349"/>
+        <p14:creationId xmlns:p14="http://schemas.microsoft.com/office/powerpoint/2010/main" val="2555731160"/>
       </p:ext>
     </p:extLst>
   </p:cSld>
@@ -2159,7 +2159,7 @@
           <p:cNvPr id="2" name="标题 1">
             <a:extLst>
               <a:ext uri="{FF2B5EF4-FFF2-40B4-BE49-F238E27FC236}">
-                <a16:creationId xmlns:a16="http://schemas.microsoft.com/office/drawing/2014/main" id="{01DF2737-ECF5-2131-3DB8-CE4F13FC20ED}"/>
+                <a16:creationId xmlns:a16="http://schemas.microsoft.com/office/drawing/2014/main" id="{5BB0FD44-6DDD-64B3-1B7E-C513188F2E46}"/>
               </a:ext>
             </a:extLst>
           </p:cNvPr>
@@ -2196,7 +2196,7 @@
           <p:cNvPr id="3" name="内容占位符 2">
             <a:extLst>
               <a:ext uri="{FF2B5EF4-FFF2-40B4-BE49-F238E27FC236}">
-                <a16:creationId xmlns:a16="http://schemas.microsoft.com/office/drawing/2014/main" id="{8184A639-AA21-CF98-66DB-A35BA6E4523B}"/>
+                <a16:creationId xmlns:a16="http://schemas.microsoft.com/office/drawing/2014/main" id="{A7DECBA6-2F00-572B-8AFA-5EBECE10A034}"/>
               </a:ext>
             </a:extLst>
           </p:cNvPr>
@@ -2286,7 +2286,7 @@
           <p:cNvPr id="4" name="文本占位符 3">
             <a:extLst>
               <a:ext uri="{FF2B5EF4-FFF2-40B4-BE49-F238E27FC236}">
-                <a16:creationId xmlns:a16="http://schemas.microsoft.com/office/drawing/2014/main" id="{D48569F6-C81C-EC2A-4DB0-76850A138BAB}"/>
+                <a16:creationId xmlns:a16="http://schemas.microsoft.com/office/drawing/2014/main" id="{44DC8588-42CE-CD50-2773-40E732FF426A}"/>
               </a:ext>
             </a:extLst>
           </p:cNvPr>
@@ -2357,7 +2357,7 @@
           <p:cNvPr id="5" name="日期占位符 4">
             <a:extLst>
               <a:ext uri="{FF2B5EF4-FFF2-40B4-BE49-F238E27FC236}">
-                <a16:creationId xmlns:a16="http://schemas.microsoft.com/office/drawing/2014/main" id="{473F24EF-9061-440D-95A8-D1D54DB920E3}"/>
+                <a16:creationId xmlns:a16="http://schemas.microsoft.com/office/drawing/2014/main" id="{851E5944-42A7-9CA0-5D39-A2B4DAD8AE62}"/>
               </a:ext>
             </a:extLst>
           </p:cNvPr>
@@ -2373,7 +2373,7 @@
           <a:bodyPr/>
           <a:lstStyle/>
           <a:p>
-            <a:fld id="{97FCF1D5-7B66-440D-B081-D77CF723283E}" type="datetimeFigureOut">
+            <a:fld id="{702D0369-2AD9-4E01-9352-2031B94D3CDA}" type="datetimeFigureOut">
               <a:rPr lang="zh-CN" altLang="en-US" smtClean="0"/>
               <a:t>2024/3/10</a:t>
             </a:fld>
@@ -2386,7 +2386,7 @@
           <p:cNvPr id="6" name="页脚占位符 5">
             <a:extLst>
               <a:ext uri="{FF2B5EF4-FFF2-40B4-BE49-F238E27FC236}">
-                <a16:creationId xmlns:a16="http://schemas.microsoft.com/office/drawing/2014/main" id="{2B0ECE83-512A-38BB-B136-D599240AF65B}"/>
+                <a16:creationId xmlns:a16="http://schemas.microsoft.com/office/drawing/2014/main" id="{43A6CD69-0D27-E86D-3546-418AA577886B}"/>
               </a:ext>
             </a:extLst>
           </p:cNvPr>
@@ -2411,7 +2411,7 @@
           <p:cNvPr id="7" name="灯片编号占位符 6">
             <a:extLst>
               <a:ext uri="{FF2B5EF4-FFF2-40B4-BE49-F238E27FC236}">
-                <a16:creationId xmlns:a16="http://schemas.microsoft.com/office/drawing/2014/main" id="{A004E8D6-CB50-3F9B-2052-AD1747EAA4AA}"/>
+                <a16:creationId xmlns:a16="http://schemas.microsoft.com/office/drawing/2014/main" id="{2C7C7A3B-E163-22AE-3002-41686F5AF7B8}"/>
               </a:ext>
             </a:extLst>
           </p:cNvPr>
@@ -2427,7 +2427,7 @@
           <a:bodyPr/>
           <a:lstStyle/>
           <a:p>
-            <a:fld id="{7F596A38-0ABF-47B8-B24E-E09B30AEB20A}" type="slidenum">
+            <a:fld id="{E08431AC-B0EF-4958-8697-79591EDE2ECA}" type="slidenum">
               <a:rPr lang="zh-CN" altLang="en-US" smtClean="0"/>
               <a:t>‹#›</a:t>
             </a:fld>
@@ -2438,7 +2438,7 @@
     </p:spTree>
     <p:extLst>
       <p:ext uri="{BB962C8B-B14F-4D97-AF65-F5344CB8AC3E}">
-        <p14:creationId xmlns:p14="http://schemas.microsoft.com/office/powerpoint/2010/main" val="2397044415"/>
+        <p14:creationId xmlns:p14="http://schemas.microsoft.com/office/powerpoint/2010/main" val="3536220331"/>
       </p:ext>
     </p:extLst>
   </p:cSld>
@@ -2470,7 +2470,7 @@
           <p:cNvPr id="2" name="标题 1">
             <a:extLst>
               <a:ext uri="{FF2B5EF4-FFF2-40B4-BE49-F238E27FC236}">
-                <a16:creationId xmlns:a16="http://schemas.microsoft.com/office/drawing/2014/main" id="{D6110C5D-83D3-3D61-DAB4-462DA0997A34}"/>
+                <a16:creationId xmlns:a16="http://schemas.microsoft.com/office/drawing/2014/main" id="{016A7E34-C522-7E97-F5A5-4EA5C8AE294E}"/>
               </a:ext>
             </a:extLst>
           </p:cNvPr>
@@ -2507,7 +2507,7 @@
           <p:cNvPr id="3" name="图片占位符 2">
             <a:extLst>
               <a:ext uri="{FF2B5EF4-FFF2-40B4-BE49-F238E27FC236}">
-                <a16:creationId xmlns:a16="http://schemas.microsoft.com/office/drawing/2014/main" id="{04C3BC1B-AEE2-8382-D7D5-99C73BAA63E2}"/>
+                <a16:creationId xmlns:a16="http://schemas.microsoft.com/office/drawing/2014/main" id="{6A98979A-7190-E835-931A-CA34F113FC83}"/>
               </a:ext>
             </a:extLst>
           </p:cNvPr>
@@ -2574,7 +2574,7 @@
           <p:cNvPr id="4" name="文本占位符 3">
             <a:extLst>
               <a:ext uri="{FF2B5EF4-FFF2-40B4-BE49-F238E27FC236}">
-                <a16:creationId xmlns:a16="http://schemas.microsoft.com/office/drawing/2014/main" id="{81D67004-F0CE-9189-8CF0-075564E22280}"/>
+                <a16:creationId xmlns:a16="http://schemas.microsoft.com/office/drawing/2014/main" id="{F4076C05-C5A1-BF70-2D54-77DB9AD1913E}"/>
               </a:ext>
             </a:extLst>
           </p:cNvPr>
@@ -2645,7 +2645,7 @@
           <p:cNvPr id="5" name="日期占位符 4">
             <a:extLst>
               <a:ext uri="{FF2B5EF4-FFF2-40B4-BE49-F238E27FC236}">
-                <a16:creationId xmlns:a16="http://schemas.microsoft.com/office/drawing/2014/main" id="{DD9E44B9-2135-2F9F-234E-BB108B13C04B}"/>
+                <a16:creationId xmlns:a16="http://schemas.microsoft.com/office/drawing/2014/main" id="{F376479F-F9E0-6A10-BFD5-E03CBB16EF45}"/>
               </a:ext>
             </a:extLst>
           </p:cNvPr>
@@ -2661,7 +2661,7 @@
           <a:bodyPr/>
           <a:lstStyle/>
           <a:p>
-            <a:fld id="{97FCF1D5-7B66-440D-B081-D77CF723283E}" type="datetimeFigureOut">
+            <a:fld id="{702D0369-2AD9-4E01-9352-2031B94D3CDA}" type="datetimeFigureOut">
               <a:rPr lang="zh-CN" altLang="en-US" smtClean="0"/>
               <a:t>2024/3/10</a:t>
             </a:fld>
@@ -2674,7 +2674,7 @@
           <p:cNvPr id="6" name="页脚占位符 5">
             <a:extLst>
               <a:ext uri="{FF2B5EF4-FFF2-40B4-BE49-F238E27FC236}">
-                <a16:creationId xmlns:a16="http://schemas.microsoft.com/office/drawing/2014/main" id="{AAAFC21C-E62F-003D-78B5-2037CEDF0427}"/>
+                <a16:creationId xmlns:a16="http://schemas.microsoft.com/office/drawing/2014/main" id="{1B3ED26F-4798-7F0D-549D-BFAA0FDE52C4}"/>
               </a:ext>
             </a:extLst>
           </p:cNvPr>
@@ -2699,7 +2699,7 @@
           <p:cNvPr id="7" name="灯片编号占位符 6">
             <a:extLst>
               <a:ext uri="{FF2B5EF4-FFF2-40B4-BE49-F238E27FC236}">
-                <a16:creationId xmlns:a16="http://schemas.microsoft.com/office/drawing/2014/main" id="{D63DC9A9-8E85-73BD-E86C-878F366FD386}"/>
+                <a16:creationId xmlns:a16="http://schemas.microsoft.com/office/drawing/2014/main" id="{21AE88E2-FC52-42CC-A9AA-ECC127FF8739}"/>
               </a:ext>
             </a:extLst>
           </p:cNvPr>
@@ -2715,7 +2715,7 @@
           <a:bodyPr/>
           <a:lstStyle/>
           <a:p>
-            <a:fld id="{7F596A38-0ABF-47B8-B24E-E09B30AEB20A}" type="slidenum">
+            <a:fld id="{E08431AC-B0EF-4958-8697-79591EDE2ECA}" type="slidenum">
               <a:rPr lang="zh-CN" altLang="en-US" smtClean="0"/>
               <a:t>‹#›</a:t>
             </a:fld>
@@ -2726,7 +2726,7 @@
     </p:spTree>
     <p:extLst>
       <p:ext uri="{BB962C8B-B14F-4D97-AF65-F5344CB8AC3E}">
-        <p14:creationId xmlns:p14="http://schemas.microsoft.com/office/powerpoint/2010/main" val="1307470285"/>
+        <p14:creationId xmlns:p14="http://schemas.microsoft.com/office/powerpoint/2010/main" val="881464552"/>
       </p:ext>
     </p:extLst>
   </p:cSld>
@@ -2763,7 +2763,7 @@
           <p:cNvPr id="2" name="标题占位符 1">
             <a:extLst>
               <a:ext uri="{FF2B5EF4-FFF2-40B4-BE49-F238E27FC236}">
-                <a16:creationId xmlns:a16="http://schemas.microsoft.com/office/drawing/2014/main" id="{CDCCB269-5E1B-54C7-F1B2-4956A60AB92D}"/>
+                <a16:creationId xmlns:a16="http://schemas.microsoft.com/office/drawing/2014/main" id="{BC32AB66-3E00-30E3-292F-B41A3963A4DE}"/>
               </a:ext>
             </a:extLst>
           </p:cNvPr>
@@ -2801,7 +2801,7 @@
           <p:cNvPr id="3" name="文本占位符 2">
             <a:extLst>
               <a:ext uri="{FF2B5EF4-FFF2-40B4-BE49-F238E27FC236}">
-                <a16:creationId xmlns:a16="http://schemas.microsoft.com/office/drawing/2014/main" id="{8AF11498-DEF6-736B-04E1-059342DFB6D1}"/>
+                <a16:creationId xmlns:a16="http://schemas.microsoft.com/office/drawing/2014/main" id="{6949AFED-E6E4-2B27-DD7B-403369677219}"/>
               </a:ext>
             </a:extLst>
           </p:cNvPr>
@@ -2868,7 +2868,7 @@
           <p:cNvPr id="4" name="日期占位符 3">
             <a:extLst>
               <a:ext uri="{FF2B5EF4-FFF2-40B4-BE49-F238E27FC236}">
-                <a16:creationId xmlns:a16="http://schemas.microsoft.com/office/drawing/2014/main" id="{568E39BF-F68F-D3B6-4561-7A76584ACFB8}"/>
+                <a16:creationId xmlns:a16="http://schemas.microsoft.com/office/drawing/2014/main" id="{07829617-0768-593B-8AA0-EAD135E7B3D8}"/>
               </a:ext>
             </a:extLst>
           </p:cNvPr>
@@ -2902,7 +2902,7 @@
             </a:lvl1pPr>
           </a:lstStyle>
           <a:p>
-            <a:fld id="{97FCF1D5-7B66-440D-B081-D77CF723283E}" type="datetimeFigureOut">
+            <a:fld id="{702D0369-2AD9-4E01-9352-2031B94D3CDA}" type="datetimeFigureOut">
               <a:rPr lang="zh-CN" altLang="en-US" smtClean="0"/>
               <a:t>2024/3/10</a:t>
             </a:fld>
@@ -2915,7 +2915,7 @@
           <p:cNvPr id="5" name="页脚占位符 4">
             <a:extLst>
               <a:ext uri="{FF2B5EF4-FFF2-40B4-BE49-F238E27FC236}">
-                <a16:creationId xmlns:a16="http://schemas.microsoft.com/office/drawing/2014/main" id="{D981371D-75C7-7C87-F797-08C18C863A76}"/>
+                <a16:creationId xmlns:a16="http://schemas.microsoft.com/office/drawing/2014/main" id="{3468714C-4662-7481-DB31-63CCC824FB96}"/>
               </a:ext>
             </a:extLst>
           </p:cNvPr>
@@ -2958,7 +2958,7 @@
           <p:cNvPr id="6" name="灯片编号占位符 5">
             <a:extLst>
               <a:ext uri="{FF2B5EF4-FFF2-40B4-BE49-F238E27FC236}">
-                <a16:creationId xmlns:a16="http://schemas.microsoft.com/office/drawing/2014/main" id="{29507D5D-542A-1D24-E58A-D09203411748}"/>
+                <a16:creationId xmlns:a16="http://schemas.microsoft.com/office/drawing/2014/main" id="{2C7B542C-7B0B-9A9C-A53F-BED369CC167D}"/>
               </a:ext>
             </a:extLst>
           </p:cNvPr>
@@ -2992,7 +2992,7 @@
             </a:lvl1pPr>
           </a:lstStyle>
           <a:p>
-            <a:fld id="{7F596A38-0ABF-47B8-B24E-E09B30AEB20A}" type="slidenum">
+            <a:fld id="{E08431AC-B0EF-4958-8697-79591EDE2ECA}" type="slidenum">
               <a:rPr lang="zh-CN" altLang="en-US" smtClean="0"/>
               <a:t>‹#›</a:t>
             </a:fld>
@@ -3003,7 +3003,7 @@
     </p:spTree>
     <p:extLst>
       <p:ext uri="{BB962C8B-B14F-4D97-AF65-F5344CB8AC3E}">
-        <p14:creationId xmlns:p14="http://schemas.microsoft.com/office/powerpoint/2010/main" val="206922594"/>
+        <p14:creationId xmlns:p14="http://schemas.microsoft.com/office/powerpoint/2010/main" val="969310872"/>
       </p:ext>
     </p:extLst>
   </p:cSld>
